--- a/document/UI기획서초안.pptx
+++ b/document/UI기획서초안.pptx
@@ -278,7 +278,7 @@
           <a:p>
             <a:fld id="{37CC3782-C8B8-4E0C-9F70-E672C96CE78F}" type="datetimeFigureOut">
               <a:rPr lang="ko-KR" altLang="en-US" smtClean="0"/>
-              <a:t>2022-10-27</a:t>
+              <a:t>2022-11-02</a:t>
             </a:fld>
             <a:endParaRPr lang="ko-KR" altLang="en-US"/>
           </a:p>
@@ -476,7 +476,7 @@
           <a:p>
             <a:fld id="{37CC3782-C8B8-4E0C-9F70-E672C96CE78F}" type="datetimeFigureOut">
               <a:rPr lang="ko-KR" altLang="en-US" smtClean="0"/>
-              <a:t>2022-10-27</a:t>
+              <a:t>2022-11-02</a:t>
             </a:fld>
             <a:endParaRPr lang="ko-KR" altLang="en-US"/>
           </a:p>
@@ -684,7 +684,7 @@
           <a:p>
             <a:fld id="{37CC3782-C8B8-4E0C-9F70-E672C96CE78F}" type="datetimeFigureOut">
               <a:rPr lang="ko-KR" altLang="en-US" smtClean="0"/>
-              <a:t>2022-10-27</a:t>
+              <a:t>2022-11-02</a:t>
             </a:fld>
             <a:endParaRPr lang="ko-KR" altLang="en-US"/>
           </a:p>
@@ -882,7 +882,7 @@
           <a:p>
             <a:fld id="{37CC3782-C8B8-4E0C-9F70-E672C96CE78F}" type="datetimeFigureOut">
               <a:rPr lang="ko-KR" altLang="en-US" smtClean="0"/>
-              <a:t>2022-10-27</a:t>
+              <a:t>2022-11-02</a:t>
             </a:fld>
             <a:endParaRPr lang="ko-KR" altLang="en-US"/>
           </a:p>
@@ -1157,7 +1157,7 @@
           <a:p>
             <a:fld id="{37CC3782-C8B8-4E0C-9F70-E672C96CE78F}" type="datetimeFigureOut">
               <a:rPr lang="ko-KR" altLang="en-US" smtClean="0"/>
-              <a:t>2022-10-27</a:t>
+              <a:t>2022-11-02</a:t>
             </a:fld>
             <a:endParaRPr lang="ko-KR" altLang="en-US"/>
           </a:p>
@@ -1422,7 +1422,7 @@
           <a:p>
             <a:fld id="{37CC3782-C8B8-4E0C-9F70-E672C96CE78F}" type="datetimeFigureOut">
               <a:rPr lang="ko-KR" altLang="en-US" smtClean="0"/>
-              <a:t>2022-10-27</a:t>
+              <a:t>2022-11-02</a:t>
             </a:fld>
             <a:endParaRPr lang="ko-KR" altLang="en-US"/>
           </a:p>
@@ -1834,7 +1834,7 @@
           <a:p>
             <a:fld id="{37CC3782-C8B8-4E0C-9F70-E672C96CE78F}" type="datetimeFigureOut">
               <a:rPr lang="ko-KR" altLang="en-US" smtClean="0"/>
-              <a:t>2022-10-27</a:t>
+              <a:t>2022-11-02</a:t>
             </a:fld>
             <a:endParaRPr lang="ko-KR" altLang="en-US"/>
           </a:p>
@@ -1975,7 +1975,7 @@
           <a:p>
             <a:fld id="{37CC3782-C8B8-4E0C-9F70-E672C96CE78F}" type="datetimeFigureOut">
               <a:rPr lang="ko-KR" altLang="en-US" smtClean="0"/>
-              <a:t>2022-10-27</a:t>
+              <a:t>2022-11-02</a:t>
             </a:fld>
             <a:endParaRPr lang="ko-KR" altLang="en-US"/>
           </a:p>
@@ -2088,7 +2088,7 @@
           <a:p>
             <a:fld id="{37CC3782-C8B8-4E0C-9F70-E672C96CE78F}" type="datetimeFigureOut">
               <a:rPr lang="ko-KR" altLang="en-US" smtClean="0"/>
-              <a:t>2022-10-27</a:t>
+              <a:t>2022-11-02</a:t>
             </a:fld>
             <a:endParaRPr lang="ko-KR" altLang="en-US"/>
           </a:p>
@@ -2399,7 +2399,7 @@
           <a:p>
             <a:fld id="{37CC3782-C8B8-4E0C-9F70-E672C96CE78F}" type="datetimeFigureOut">
               <a:rPr lang="ko-KR" altLang="en-US" smtClean="0"/>
-              <a:t>2022-10-27</a:t>
+              <a:t>2022-11-02</a:t>
             </a:fld>
             <a:endParaRPr lang="ko-KR" altLang="en-US"/>
           </a:p>
@@ -2687,7 +2687,7 @@
           <a:p>
             <a:fld id="{37CC3782-C8B8-4E0C-9F70-E672C96CE78F}" type="datetimeFigureOut">
               <a:rPr lang="ko-KR" altLang="en-US" smtClean="0"/>
-              <a:t>2022-10-27</a:t>
+              <a:t>2022-11-02</a:t>
             </a:fld>
             <a:endParaRPr lang="ko-KR" altLang="en-US"/>
           </a:p>
@@ -2928,7 +2928,7 @@
           <a:p>
             <a:fld id="{37CC3782-C8B8-4E0C-9F70-E672C96CE78F}" type="datetimeFigureOut">
               <a:rPr lang="ko-KR" altLang="en-US" smtClean="0"/>
-              <a:t>2022-10-27</a:t>
+              <a:t>2022-11-02</a:t>
             </a:fld>
             <a:endParaRPr lang="ko-KR" altLang="en-US"/>
           </a:p>
@@ -17755,358 +17755,6 @@
       </p:sp>
       <p:sp>
         <p:nvSpPr>
-          <p:cNvPr id="10" name="직사각형 9">
-            <a:extLst>
-              <a:ext uri="{FF2B5EF4-FFF2-40B4-BE49-F238E27FC236}">
-                <a16:creationId xmlns:a16="http://schemas.microsoft.com/office/drawing/2014/main" id="{13880549-5F78-61B9-B6EF-2BB02F3B91F0}"/>
-              </a:ext>
-            </a:extLst>
-          </p:cNvPr>
-          <p:cNvSpPr/>
-          <p:nvPr/>
-        </p:nvSpPr>
-        <p:spPr>
-          <a:xfrm rot="2700000">
-            <a:off x="10008864" y="5000812"/>
-            <a:ext cx="437427" cy="437427"/>
-          </a:xfrm>
-          <a:prstGeom prst="rect">
-            <a:avLst/>
-          </a:prstGeom>
-          <a:solidFill>
-            <a:srgbClr val="FFFF00"/>
-          </a:solidFill>
-          <a:ln>
-            <a:noFill/>
-          </a:ln>
-        </p:spPr>
-        <p:style>
-          <a:lnRef idx="2">
-            <a:schemeClr val="accent1">
-              <a:shade val="50000"/>
-            </a:schemeClr>
-          </a:lnRef>
-          <a:fillRef idx="1">
-            <a:schemeClr val="accent1"/>
-          </a:fillRef>
-          <a:effectRef idx="0">
-            <a:schemeClr val="accent1"/>
-          </a:effectRef>
-          <a:fontRef idx="minor">
-            <a:schemeClr val="lt1"/>
-          </a:fontRef>
-        </p:style>
-        <p:txBody>
-          <a:bodyPr rtlCol="0" anchor="ctr"/>
-          <a:lstStyle/>
-          <a:p>
-            <a:pPr algn="ctr"/>
-            <a:endParaRPr lang="ko-KR" altLang="en-US"/>
-          </a:p>
-        </p:txBody>
-      </p:sp>
-      <p:sp>
-        <p:nvSpPr>
-          <p:cNvPr id="11" name="직사각형 10">
-            <a:extLst>
-              <a:ext uri="{FF2B5EF4-FFF2-40B4-BE49-F238E27FC236}">
-                <a16:creationId xmlns:a16="http://schemas.microsoft.com/office/drawing/2014/main" id="{41E862CD-44B5-8706-AB36-452531772A69}"/>
-              </a:ext>
-            </a:extLst>
-          </p:cNvPr>
-          <p:cNvSpPr/>
-          <p:nvPr/>
-        </p:nvSpPr>
-        <p:spPr>
-          <a:xfrm rot="2700000">
-            <a:off x="9590813" y="5499469"/>
-            <a:ext cx="437427" cy="437427"/>
-          </a:xfrm>
-          <a:prstGeom prst="rect">
-            <a:avLst/>
-          </a:prstGeom>
-          <a:solidFill>
-            <a:srgbClr val="FFFF00"/>
-          </a:solidFill>
-          <a:ln>
-            <a:noFill/>
-          </a:ln>
-        </p:spPr>
-        <p:style>
-          <a:lnRef idx="2">
-            <a:schemeClr val="accent1">
-              <a:shade val="50000"/>
-            </a:schemeClr>
-          </a:lnRef>
-          <a:fillRef idx="1">
-            <a:schemeClr val="accent1"/>
-          </a:fillRef>
-          <a:effectRef idx="0">
-            <a:schemeClr val="accent1"/>
-          </a:effectRef>
-          <a:fontRef idx="minor">
-            <a:schemeClr val="lt1"/>
-          </a:fontRef>
-        </p:style>
-        <p:txBody>
-          <a:bodyPr rtlCol="0" anchor="ctr"/>
-          <a:lstStyle/>
-          <a:p>
-            <a:pPr algn="ctr"/>
-            <a:endParaRPr lang="ko-KR" altLang="en-US"/>
-          </a:p>
-        </p:txBody>
-      </p:sp>
-      <p:sp>
-        <p:nvSpPr>
-          <p:cNvPr id="12" name="직사각형 11">
-            <a:extLst>
-              <a:ext uri="{FF2B5EF4-FFF2-40B4-BE49-F238E27FC236}">
-                <a16:creationId xmlns:a16="http://schemas.microsoft.com/office/drawing/2014/main" id="{F6971F6C-D73B-5F82-5B18-DA54D46A7346}"/>
-              </a:ext>
-            </a:extLst>
-          </p:cNvPr>
-          <p:cNvSpPr/>
-          <p:nvPr/>
-        </p:nvSpPr>
-        <p:spPr>
-          <a:xfrm rot="2700000">
-            <a:off x="10468319" y="5499469"/>
-            <a:ext cx="437427" cy="437427"/>
-          </a:xfrm>
-          <a:prstGeom prst="rect">
-            <a:avLst/>
-          </a:prstGeom>
-          <a:solidFill>
-            <a:srgbClr val="FFFF00"/>
-          </a:solidFill>
-          <a:ln>
-            <a:noFill/>
-          </a:ln>
-        </p:spPr>
-        <p:style>
-          <a:lnRef idx="2">
-            <a:schemeClr val="accent1">
-              <a:shade val="50000"/>
-            </a:schemeClr>
-          </a:lnRef>
-          <a:fillRef idx="1">
-            <a:schemeClr val="accent1"/>
-          </a:fillRef>
-          <a:effectRef idx="0">
-            <a:schemeClr val="accent1"/>
-          </a:effectRef>
-          <a:fontRef idx="minor">
-            <a:schemeClr val="lt1"/>
-          </a:fontRef>
-        </p:style>
-        <p:txBody>
-          <a:bodyPr rtlCol="0" anchor="ctr"/>
-          <a:lstStyle/>
-          <a:p>
-            <a:pPr algn="ctr"/>
-            <a:endParaRPr lang="ko-KR" altLang="en-US"/>
-          </a:p>
-        </p:txBody>
-      </p:sp>
-      <p:sp>
-        <p:nvSpPr>
-          <p:cNvPr id="13" name="직사각형 12">
-            <a:extLst>
-              <a:ext uri="{FF2B5EF4-FFF2-40B4-BE49-F238E27FC236}">
-                <a16:creationId xmlns:a16="http://schemas.microsoft.com/office/drawing/2014/main" id="{5935731A-42DB-5E43-A4E3-87FD0C8214D8}"/>
-              </a:ext>
-            </a:extLst>
-          </p:cNvPr>
-          <p:cNvSpPr/>
-          <p:nvPr/>
-        </p:nvSpPr>
-        <p:spPr>
-          <a:xfrm>
-            <a:off x="10055084" y="5293453"/>
-            <a:ext cx="339111" cy="250868"/>
-          </a:xfrm>
-          <a:prstGeom prst="rect">
-            <a:avLst/>
-          </a:prstGeom>
-          <a:solidFill>
-            <a:schemeClr val="accent1">
-              <a:lumMod val="60000"/>
-              <a:lumOff val="40000"/>
-            </a:schemeClr>
-          </a:solidFill>
-          <a:ln>
-            <a:noFill/>
-          </a:ln>
-        </p:spPr>
-        <p:style>
-          <a:lnRef idx="2">
-            <a:schemeClr val="accent1">
-              <a:shade val="50000"/>
-            </a:schemeClr>
-          </a:lnRef>
-          <a:fillRef idx="1">
-            <a:schemeClr val="accent1"/>
-          </a:fillRef>
-          <a:effectRef idx="0">
-            <a:schemeClr val="accent1"/>
-          </a:effectRef>
-          <a:fontRef idx="minor">
-            <a:schemeClr val="lt1"/>
-          </a:fontRef>
-        </p:style>
-        <p:txBody>
-          <a:bodyPr rtlCol="0" anchor="ctr"/>
-          <a:lstStyle/>
-          <a:p>
-            <a:pPr algn="ctr"/>
-            <a:r>
-              <a:rPr lang="ko-KR" altLang="en-US" sz="1400" dirty="0">
-                <a:solidFill>
-                  <a:schemeClr val="tx1"/>
-                </a:solidFill>
-              </a:rPr>
-              <a:t>우</a:t>
-            </a:r>
-          </a:p>
-        </p:txBody>
-      </p:sp>
-      <p:sp>
-        <p:nvSpPr>
-          <p:cNvPr id="14" name="직사각형 13">
-            <a:extLst>
-              <a:ext uri="{FF2B5EF4-FFF2-40B4-BE49-F238E27FC236}">
-                <a16:creationId xmlns:a16="http://schemas.microsoft.com/office/drawing/2014/main" id="{05C0798E-09E2-3004-3AC6-3C460CF66446}"/>
-              </a:ext>
-            </a:extLst>
-          </p:cNvPr>
-          <p:cNvSpPr/>
-          <p:nvPr/>
-        </p:nvSpPr>
-        <p:spPr>
-          <a:xfrm>
-            <a:off x="9634859" y="5776622"/>
-            <a:ext cx="339111" cy="250868"/>
-          </a:xfrm>
-          <a:prstGeom prst="rect">
-            <a:avLst/>
-          </a:prstGeom>
-          <a:solidFill>
-            <a:schemeClr val="accent1">
-              <a:lumMod val="60000"/>
-              <a:lumOff val="40000"/>
-            </a:schemeClr>
-          </a:solidFill>
-          <a:ln>
-            <a:noFill/>
-          </a:ln>
-        </p:spPr>
-        <p:style>
-          <a:lnRef idx="2">
-            <a:schemeClr val="accent1">
-              <a:shade val="50000"/>
-            </a:schemeClr>
-          </a:lnRef>
-          <a:fillRef idx="1">
-            <a:schemeClr val="accent1"/>
-          </a:fillRef>
-          <a:effectRef idx="0">
-            <a:schemeClr val="accent1"/>
-          </a:effectRef>
-          <a:fontRef idx="minor">
-            <a:schemeClr val="lt1"/>
-          </a:fontRef>
-        </p:style>
-        <p:txBody>
-          <a:bodyPr rtlCol="0" anchor="ctr"/>
-          <a:lstStyle/>
-          <a:p>
-            <a:pPr algn="ctr"/>
-            <a:r>
-              <a:rPr lang="en-US" altLang="ko-KR" sz="1400" dirty="0">
-                <a:solidFill>
-                  <a:schemeClr val="tx1"/>
-                </a:solidFill>
-              </a:rPr>
-              <a:t>Q</a:t>
-            </a:r>
-            <a:endParaRPr lang="ko-KR" altLang="en-US" sz="1400" dirty="0">
-              <a:solidFill>
-                <a:schemeClr val="tx1"/>
-              </a:solidFill>
-            </a:endParaRPr>
-          </a:p>
-        </p:txBody>
-      </p:sp>
-      <p:sp>
-        <p:nvSpPr>
-          <p:cNvPr id="15" name="직사각형 14">
-            <a:extLst>
-              <a:ext uri="{FF2B5EF4-FFF2-40B4-BE49-F238E27FC236}">
-                <a16:creationId xmlns:a16="http://schemas.microsoft.com/office/drawing/2014/main" id="{0F974576-196C-3B54-EEAB-4F4BA66675C4}"/>
-              </a:ext>
-            </a:extLst>
-          </p:cNvPr>
-          <p:cNvSpPr/>
-          <p:nvPr/>
-        </p:nvSpPr>
-        <p:spPr>
-          <a:xfrm>
-            <a:off x="10522255" y="5813688"/>
-            <a:ext cx="339111" cy="250868"/>
-          </a:xfrm>
-          <a:prstGeom prst="rect">
-            <a:avLst/>
-          </a:prstGeom>
-          <a:solidFill>
-            <a:schemeClr val="accent1">
-              <a:lumMod val="60000"/>
-              <a:lumOff val="40000"/>
-            </a:schemeClr>
-          </a:solidFill>
-          <a:ln>
-            <a:noFill/>
-          </a:ln>
-        </p:spPr>
-        <p:style>
-          <a:lnRef idx="2">
-            <a:schemeClr val="accent1">
-              <a:shade val="50000"/>
-            </a:schemeClr>
-          </a:lnRef>
-          <a:fillRef idx="1">
-            <a:schemeClr val="accent1"/>
-          </a:fillRef>
-          <a:effectRef idx="0">
-            <a:schemeClr val="accent1"/>
-          </a:effectRef>
-          <a:fontRef idx="minor">
-            <a:schemeClr val="lt1"/>
-          </a:fontRef>
-        </p:style>
-        <p:txBody>
-          <a:bodyPr rtlCol="0" anchor="ctr"/>
-          <a:lstStyle/>
-          <a:p>
-            <a:pPr algn="ctr"/>
-            <a:r>
-              <a:rPr lang="en-US" altLang="ko-KR" sz="1400" dirty="0">
-                <a:solidFill>
-                  <a:schemeClr val="tx1"/>
-                </a:solidFill>
-              </a:rPr>
-              <a:t>E</a:t>
-            </a:r>
-            <a:endParaRPr lang="ko-KR" altLang="en-US" sz="1400" dirty="0">
-              <a:solidFill>
-                <a:schemeClr val="tx1"/>
-              </a:solidFill>
-            </a:endParaRPr>
-          </a:p>
-        </p:txBody>
-      </p:sp>
-      <p:sp>
-        <p:nvSpPr>
           <p:cNvPr id="16" name="평행 사변형 15">
             <a:extLst>
               <a:ext uri="{FF2B5EF4-FFF2-40B4-BE49-F238E27FC236}">
@@ -18625,6 +18273,421 @@
           </a:p>
         </p:txBody>
       </p:sp>
+      <p:grpSp>
+        <p:nvGrpSpPr>
+          <p:cNvPr id="30" name="그룹 29">
+            <a:extLst>
+              <a:ext uri="{FF2B5EF4-FFF2-40B4-BE49-F238E27FC236}">
+                <a16:creationId xmlns:a16="http://schemas.microsoft.com/office/drawing/2014/main" id="{B23251BE-F18A-48A3-5F1A-F55F0D9D34F3}"/>
+              </a:ext>
+            </a:extLst>
+          </p:cNvPr>
+          <p:cNvGrpSpPr/>
+          <p:nvPr/>
+        </p:nvGrpSpPr>
+        <p:grpSpPr>
+          <a:xfrm>
+            <a:off x="2470052" y="5442544"/>
+            <a:ext cx="437427" cy="543509"/>
+            <a:chOff x="2115357" y="4941188"/>
+            <a:chExt cx="437427" cy="543509"/>
+          </a:xfrm>
+        </p:grpSpPr>
+        <p:sp>
+          <p:nvSpPr>
+            <p:cNvPr id="10" name="직사각형 9">
+              <a:extLst>
+                <a:ext uri="{FF2B5EF4-FFF2-40B4-BE49-F238E27FC236}">
+                  <a16:creationId xmlns:a16="http://schemas.microsoft.com/office/drawing/2014/main" id="{13880549-5F78-61B9-B6EF-2BB02F3B91F0}"/>
+                </a:ext>
+              </a:extLst>
+            </p:cNvPr>
+            <p:cNvSpPr/>
+            <p:nvPr/>
+          </p:nvSpPr>
+          <p:spPr>
+            <a:xfrm rot="2700000">
+              <a:off x="2115357" y="4941188"/>
+              <a:ext cx="437427" cy="437427"/>
+            </a:xfrm>
+            <a:prstGeom prst="rect">
+              <a:avLst/>
+            </a:prstGeom>
+            <a:solidFill>
+              <a:srgbClr val="FFFF00"/>
+            </a:solidFill>
+            <a:ln>
+              <a:noFill/>
+            </a:ln>
+          </p:spPr>
+          <p:style>
+            <a:lnRef idx="2">
+              <a:schemeClr val="accent1">
+                <a:shade val="50000"/>
+              </a:schemeClr>
+            </a:lnRef>
+            <a:fillRef idx="1">
+              <a:schemeClr val="accent1"/>
+            </a:fillRef>
+            <a:effectRef idx="0">
+              <a:schemeClr val="accent1"/>
+            </a:effectRef>
+            <a:fontRef idx="minor">
+              <a:schemeClr val="lt1"/>
+            </a:fontRef>
+          </p:style>
+          <p:txBody>
+            <a:bodyPr rtlCol="0" anchor="ctr"/>
+            <a:lstStyle/>
+            <a:p>
+              <a:pPr algn="ctr"/>
+              <a:endParaRPr lang="ko-KR" altLang="en-US"/>
+            </a:p>
+          </p:txBody>
+        </p:sp>
+        <p:sp>
+          <p:nvSpPr>
+            <p:cNvPr id="13" name="직사각형 12">
+              <a:extLst>
+                <a:ext uri="{FF2B5EF4-FFF2-40B4-BE49-F238E27FC236}">
+                  <a16:creationId xmlns:a16="http://schemas.microsoft.com/office/drawing/2014/main" id="{5935731A-42DB-5E43-A4E3-87FD0C8214D8}"/>
+                </a:ext>
+              </a:extLst>
+            </p:cNvPr>
+            <p:cNvSpPr/>
+            <p:nvPr/>
+          </p:nvSpPr>
+          <p:spPr>
+            <a:xfrm>
+              <a:off x="2161577" y="5233829"/>
+              <a:ext cx="339111" cy="250868"/>
+            </a:xfrm>
+            <a:prstGeom prst="rect">
+              <a:avLst/>
+            </a:prstGeom>
+            <a:solidFill>
+              <a:schemeClr val="accent1">
+                <a:lumMod val="60000"/>
+                <a:lumOff val="40000"/>
+              </a:schemeClr>
+            </a:solidFill>
+            <a:ln>
+              <a:noFill/>
+            </a:ln>
+          </p:spPr>
+          <p:style>
+            <a:lnRef idx="2">
+              <a:schemeClr val="accent1">
+                <a:shade val="50000"/>
+              </a:schemeClr>
+            </a:lnRef>
+            <a:fillRef idx="1">
+              <a:schemeClr val="accent1"/>
+            </a:fillRef>
+            <a:effectRef idx="0">
+              <a:schemeClr val="accent1"/>
+            </a:effectRef>
+            <a:fontRef idx="minor">
+              <a:schemeClr val="lt1"/>
+            </a:fontRef>
+          </p:style>
+          <p:txBody>
+            <a:bodyPr rtlCol="0" anchor="ctr"/>
+            <a:lstStyle/>
+            <a:p>
+              <a:pPr algn="ctr"/>
+              <a:r>
+                <a:rPr lang="ko-KR" altLang="en-US" sz="1400" dirty="0">
+                  <a:solidFill>
+                    <a:schemeClr val="tx1"/>
+                  </a:solidFill>
+                </a:rPr>
+                <a:t>우</a:t>
+              </a:r>
+            </a:p>
+          </p:txBody>
+        </p:sp>
+      </p:grpSp>
+      <p:grpSp>
+        <p:nvGrpSpPr>
+          <p:cNvPr id="29" name="그룹 28">
+            <a:extLst>
+              <a:ext uri="{FF2B5EF4-FFF2-40B4-BE49-F238E27FC236}">
+                <a16:creationId xmlns:a16="http://schemas.microsoft.com/office/drawing/2014/main" id="{25F9C614-EA68-D27E-F9EB-54DD619AEE10}"/>
+              </a:ext>
+            </a:extLst>
+          </p:cNvPr>
+          <p:cNvGrpSpPr/>
+          <p:nvPr/>
+        </p:nvGrpSpPr>
+        <p:grpSpPr>
+          <a:xfrm>
+            <a:off x="1697306" y="5450288"/>
+            <a:ext cx="437427" cy="528021"/>
+            <a:chOff x="1697306" y="5439845"/>
+            <a:chExt cx="437427" cy="528021"/>
+          </a:xfrm>
+        </p:grpSpPr>
+        <p:sp>
+          <p:nvSpPr>
+            <p:cNvPr id="11" name="직사각형 10">
+              <a:extLst>
+                <a:ext uri="{FF2B5EF4-FFF2-40B4-BE49-F238E27FC236}">
+                  <a16:creationId xmlns:a16="http://schemas.microsoft.com/office/drawing/2014/main" id="{41E862CD-44B5-8706-AB36-452531772A69}"/>
+                </a:ext>
+              </a:extLst>
+            </p:cNvPr>
+            <p:cNvSpPr/>
+            <p:nvPr/>
+          </p:nvSpPr>
+          <p:spPr>
+            <a:xfrm rot="2700000">
+              <a:off x="1697306" y="5439845"/>
+              <a:ext cx="437427" cy="437427"/>
+            </a:xfrm>
+            <a:prstGeom prst="rect">
+              <a:avLst/>
+            </a:prstGeom>
+            <a:solidFill>
+              <a:srgbClr val="FFFF00"/>
+            </a:solidFill>
+            <a:ln>
+              <a:noFill/>
+            </a:ln>
+          </p:spPr>
+          <p:style>
+            <a:lnRef idx="2">
+              <a:schemeClr val="accent1">
+                <a:shade val="50000"/>
+              </a:schemeClr>
+            </a:lnRef>
+            <a:fillRef idx="1">
+              <a:schemeClr val="accent1"/>
+            </a:fillRef>
+            <a:effectRef idx="0">
+              <a:schemeClr val="accent1"/>
+            </a:effectRef>
+            <a:fontRef idx="minor">
+              <a:schemeClr val="lt1"/>
+            </a:fontRef>
+          </p:style>
+          <p:txBody>
+            <a:bodyPr rtlCol="0" anchor="ctr"/>
+            <a:lstStyle/>
+            <a:p>
+              <a:pPr algn="ctr"/>
+              <a:endParaRPr lang="ko-KR" altLang="en-US"/>
+            </a:p>
+          </p:txBody>
+        </p:sp>
+        <p:sp>
+          <p:nvSpPr>
+            <p:cNvPr id="14" name="직사각형 13">
+              <a:extLst>
+                <a:ext uri="{FF2B5EF4-FFF2-40B4-BE49-F238E27FC236}">
+                  <a16:creationId xmlns:a16="http://schemas.microsoft.com/office/drawing/2014/main" id="{05C0798E-09E2-3004-3AC6-3C460CF66446}"/>
+                </a:ext>
+              </a:extLst>
+            </p:cNvPr>
+            <p:cNvSpPr/>
+            <p:nvPr/>
+          </p:nvSpPr>
+          <p:spPr>
+            <a:xfrm>
+              <a:off x="1741352" y="5716998"/>
+              <a:ext cx="339111" cy="250868"/>
+            </a:xfrm>
+            <a:prstGeom prst="rect">
+              <a:avLst/>
+            </a:prstGeom>
+            <a:solidFill>
+              <a:schemeClr val="accent1">
+                <a:lumMod val="60000"/>
+                <a:lumOff val="40000"/>
+              </a:schemeClr>
+            </a:solidFill>
+            <a:ln>
+              <a:noFill/>
+            </a:ln>
+          </p:spPr>
+          <p:style>
+            <a:lnRef idx="2">
+              <a:schemeClr val="accent1">
+                <a:shade val="50000"/>
+              </a:schemeClr>
+            </a:lnRef>
+            <a:fillRef idx="1">
+              <a:schemeClr val="accent1"/>
+            </a:fillRef>
+            <a:effectRef idx="0">
+              <a:schemeClr val="accent1"/>
+            </a:effectRef>
+            <a:fontRef idx="minor">
+              <a:schemeClr val="lt1"/>
+            </a:fontRef>
+          </p:style>
+          <p:txBody>
+            <a:bodyPr rtlCol="0" anchor="ctr"/>
+            <a:lstStyle/>
+            <a:p>
+              <a:pPr algn="ctr"/>
+              <a:r>
+                <a:rPr lang="en-US" altLang="ko-KR" sz="1400" dirty="0">
+                  <a:solidFill>
+                    <a:schemeClr val="tx1"/>
+                  </a:solidFill>
+                </a:rPr>
+                <a:t>Q</a:t>
+              </a:r>
+              <a:endParaRPr lang="ko-KR" altLang="en-US" sz="1400" dirty="0">
+                <a:solidFill>
+                  <a:schemeClr val="tx1"/>
+                </a:solidFill>
+              </a:endParaRPr>
+            </a:p>
+          </p:txBody>
+        </p:sp>
+      </p:grpSp>
+      <p:grpSp>
+        <p:nvGrpSpPr>
+          <p:cNvPr id="28" name="그룹 27">
+            <a:extLst>
+              <a:ext uri="{FF2B5EF4-FFF2-40B4-BE49-F238E27FC236}">
+                <a16:creationId xmlns:a16="http://schemas.microsoft.com/office/drawing/2014/main" id="{72BE21AA-49DC-DEB1-2C4F-DE077AF11831}"/>
+              </a:ext>
+            </a:extLst>
+          </p:cNvPr>
+          <p:cNvGrpSpPr/>
+          <p:nvPr/>
+        </p:nvGrpSpPr>
+        <p:grpSpPr>
+          <a:xfrm>
+            <a:off x="2083679" y="5040432"/>
+            <a:ext cx="437427" cy="565087"/>
+            <a:chOff x="2574812" y="5439845"/>
+            <a:chExt cx="437427" cy="565087"/>
+          </a:xfrm>
+        </p:grpSpPr>
+        <p:sp>
+          <p:nvSpPr>
+            <p:cNvPr id="12" name="직사각형 11">
+              <a:extLst>
+                <a:ext uri="{FF2B5EF4-FFF2-40B4-BE49-F238E27FC236}">
+                  <a16:creationId xmlns:a16="http://schemas.microsoft.com/office/drawing/2014/main" id="{F6971F6C-D73B-5F82-5B18-DA54D46A7346}"/>
+                </a:ext>
+              </a:extLst>
+            </p:cNvPr>
+            <p:cNvSpPr/>
+            <p:nvPr/>
+          </p:nvSpPr>
+          <p:spPr>
+            <a:xfrm rot="2700000">
+              <a:off x="2574812" y="5439845"/>
+              <a:ext cx="437427" cy="437427"/>
+            </a:xfrm>
+            <a:prstGeom prst="rect">
+              <a:avLst/>
+            </a:prstGeom>
+            <a:solidFill>
+              <a:srgbClr val="FFFF00"/>
+            </a:solidFill>
+            <a:ln>
+              <a:noFill/>
+            </a:ln>
+          </p:spPr>
+          <p:style>
+            <a:lnRef idx="2">
+              <a:schemeClr val="accent1">
+                <a:shade val="50000"/>
+              </a:schemeClr>
+            </a:lnRef>
+            <a:fillRef idx="1">
+              <a:schemeClr val="accent1"/>
+            </a:fillRef>
+            <a:effectRef idx="0">
+              <a:schemeClr val="accent1"/>
+            </a:effectRef>
+            <a:fontRef idx="minor">
+              <a:schemeClr val="lt1"/>
+            </a:fontRef>
+          </p:style>
+          <p:txBody>
+            <a:bodyPr rtlCol="0" anchor="ctr"/>
+            <a:lstStyle/>
+            <a:p>
+              <a:pPr algn="ctr"/>
+              <a:endParaRPr lang="ko-KR" altLang="en-US"/>
+            </a:p>
+          </p:txBody>
+        </p:sp>
+        <p:sp>
+          <p:nvSpPr>
+            <p:cNvPr id="15" name="직사각형 14">
+              <a:extLst>
+                <a:ext uri="{FF2B5EF4-FFF2-40B4-BE49-F238E27FC236}">
+                  <a16:creationId xmlns:a16="http://schemas.microsoft.com/office/drawing/2014/main" id="{0F974576-196C-3B54-EEAB-4F4BA66675C4}"/>
+                </a:ext>
+              </a:extLst>
+            </p:cNvPr>
+            <p:cNvSpPr/>
+            <p:nvPr/>
+          </p:nvSpPr>
+          <p:spPr>
+            <a:xfrm>
+              <a:off x="2628748" y="5754064"/>
+              <a:ext cx="339111" cy="250868"/>
+            </a:xfrm>
+            <a:prstGeom prst="rect">
+              <a:avLst/>
+            </a:prstGeom>
+            <a:solidFill>
+              <a:schemeClr val="accent1">
+                <a:lumMod val="60000"/>
+                <a:lumOff val="40000"/>
+              </a:schemeClr>
+            </a:solidFill>
+            <a:ln>
+              <a:noFill/>
+            </a:ln>
+          </p:spPr>
+          <p:style>
+            <a:lnRef idx="2">
+              <a:schemeClr val="accent1">
+                <a:shade val="50000"/>
+              </a:schemeClr>
+            </a:lnRef>
+            <a:fillRef idx="1">
+              <a:schemeClr val="accent1"/>
+            </a:fillRef>
+            <a:effectRef idx="0">
+              <a:schemeClr val="accent1"/>
+            </a:effectRef>
+            <a:fontRef idx="minor">
+              <a:schemeClr val="lt1"/>
+            </a:fontRef>
+          </p:style>
+          <p:txBody>
+            <a:bodyPr rtlCol="0" anchor="ctr"/>
+            <a:lstStyle/>
+            <a:p>
+              <a:pPr algn="ctr"/>
+              <a:r>
+                <a:rPr lang="en-US" altLang="ko-KR" sz="1400" dirty="0">
+                  <a:solidFill>
+                    <a:schemeClr val="tx1"/>
+                  </a:solidFill>
+                </a:rPr>
+                <a:t>E</a:t>
+              </a:r>
+              <a:endParaRPr lang="ko-KR" altLang="en-US" sz="1400" dirty="0">
+                <a:solidFill>
+                  <a:schemeClr val="tx1"/>
+                </a:solidFill>
+              </a:endParaRPr>
+            </a:p>
+          </p:txBody>
+        </p:sp>
+      </p:grpSp>
       <p:sp>
         <p:nvSpPr>
           <p:cNvPr id="8" name="직사각형 7">
@@ -18639,7 +18702,7 @@
         </p:nvSpPr>
         <p:spPr>
           <a:xfrm>
-            <a:off x="9320168" y="4822372"/>
+            <a:off x="1426661" y="4762748"/>
             <a:ext cx="1765881" cy="1390881"/>
           </a:xfrm>
           <a:prstGeom prst="rect">
@@ -18677,12 +18740,218 @@
           </a:p>
         </p:txBody>
       </p:sp>
-      <p:sp>
-        <p:nvSpPr>
-          <p:cNvPr id="22" name="말풍선: 사각형 21">
-            <a:extLst>
-              <a:ext uri="{FF2B5EF4-FFF2-40B4-BE49-F238E27FC236}">
-                <a16:creationId xmlns:a16="http://schemas.microsoft.com/office/drawing/2014/main" id="{080D42CD-8EF8-5037-C87A-17B7CF6A0FCD}"/>
+      <p:grpSp>
+        <p:nvGrpSpPr>
+          <p:cNvPr id="26" name="그룹 25">
+            <a:extLst>
+              <a:ext uri="{FF2B5EF4-FFF2-40B4-BE49-F238E27FC236}">
+                <a16:creationId xmlns:a16="http://schemas.microsoft.com/office/drawing/2014/main" id="{0F7D7BB0-8A5D-5C90-592C-B80854706D0A}"/>
+              </a:ext>
+            </a:extLst>
+          </p:cNvPr>
+          <p:cNvGrpSpPr/>
+          <p:nvPr/>
+        </p:nvGrpSpPr>
+        <p:grpSpPr>
+          <a:xfrm>
+            <a:off x="1176023" y="1851603"/>
+            <a:ext cx="3311274" cy="2291832"/>
+            <a:chOff x="1320590" y="1806714"/>
+            <a:chExt cx="3311274" cy="2291832"/>
+          </a:xfrm>
+        </p:grpSpPr>
+        <p:sp>
+          <p:nvSpPr>
+            <p:cNvPr id="22" name="말풍선: 사각형 21">
+              <a:extLst>
+                <a:ext uri="{FF2B5EF4-FFF2-40B4-BE49-F238E27FC236}">
+                  <a16:creationId xmlns:a16="http://schemas.microsoft.com/office/drawing/2014/main" id="{080D42CD-8EF8-5037-C87A-17B7CF6A0FCD}"/>
+                </a:ext>
+              </a:extLst>
+            </p:cNvPr>
+            <p:cNvSpPr/>
+            <p:nvPr/>
+          </p:nvSpPr>
+          <p:spPr>
+            <a:xfrm>
+              <a:off x="1320590" y="1806714"/>
+              <a:ext cx="3311274" cy="2291832"/>
+            </a:xfrm>
+            <a:prstGeom prst="wedgeRectCallout">
+              <a:avLst>
+                <a:gd name="adj1" fmla="val -17083"/>
+                <a:gd name="adj2" fmla="val 72440"/>
+              </a:avLst>
+            </a:prstGeom>
+            <a:solidFill>
+              <a:schemeClr val="accent3">
+                <a:lumMod val="75000"/>
+              </a:schemeClr>
+            </a:solidFill>
+            <a:ln>
+              <a:noFill/>
+            </a:ln>
+          </p:spPr>
+          <p:style>
+            <a:lnRef idx="2">
+              <a:schemeClr val="accent1">
+                <a:shade val="50000"/>
+              </a:schemeClr>
+            </a:lnRef>
+            <a:fillRef idx="1">
+              <a:schemeClr val="accent1"/>
+            </a:fillRef>
+            <a:effectRef idx="0">
+              <a:schemeClr val="accent1"/>
+            </a:effectRef>
+            <a:fontRef idx="minor">
+              <a:schemeClr val="lt1"/>
+            </a:fontRef>
+          </p:style>
+          <p:txBody>
+            <a:bodyPr rtlCol="0" anchor="ctr"/>
+            <a:lstStyle/>
+            <a:p>
+              <a:pPr algn="ctr"/>
+              <a:endParaRPr lang="en-US" altLang="ko-KR" sz="1400" dirty="0">
+                <a:solidFill>
+                  <a:schemeClr val="bg1"/>
+                </a:solidFill>
+              </a:endParaRPr>
+            </a:p>
+            <a:p>
+              <a:pPr algn="ctr"/>
+              <a:endParaRPr lang="en-US" altLang="ko-KR" sz="1400" dirty="0">
+                <a:solidFill>
+                  <a:schemeClr val="bg1"/>
+                </a:solidFill>
+              </a:endParaRPr>
+            </a:p>
+            <a:p>
+              <a:pPr algn="ctr"/>
+              <a:endParaRPr lang="en-US" altLang="ko-KR" sz="1400" dirty="0">
+                <a:solidFill>
+                  <a:schemeClr val="bg1"/>
+                </a:solidFill>
+              </a:endParaRPr>
+            </a:p>
+            <a:p>
+              <a:pPr algn="ctr"/>
+              <a:endParaRPr lang="en-US" altLang="ko-KR" sz="1400" dirty="0">
+                <a:solidFill>
+                  <a:schemeClr val="bg1"/>
+                </a:solidFill>
+              </a:endParaRPr>
+            </a:p>
+            <a:p>
+              <a:pPr algn="ctr"/>
+              <a:r>
+                <a:rPr lang="ko-KR" altLang="en-US" sz="1400" dirty="0">
+                  <a:solidFill>
+                    <a:schemeClr val="bg1"/>
+                  </a:solidFill>
+                </a:rPr>
+                <a:t>사용 가능할 시 불투명도 </a:t>
+              </a:r>
+              <a:r>
+                <a:rPr lang="en-US" altLang="ko-KR" sz="1400" dirty="0">
+                  <a:solidFill>
+                    <a:schemeClr val="bg1"/>
+                  </a:solidFill>
+                </a:rPr>
+                <a:t>100%</a:t>
+              </a:r>
+            </a:p>
+            <a:p>
+              <a:pPr algn="ctr"/>
+              <a:r>
+                <a:rPr lang="ko-KR" altLang="en-US" sz="1400" dirty="0" err="1">
+                  <a:solidFill>
+                    <a:schemeClr val="bg1"/>
+                  </a:solidFill>
+                </a:rPr>
+                <a:t>쿨타임</a:t>
+              </a:r>
+              <a:r>
+                <a:rPr lang="ko-KR" altLang="en-US" sz="1400" dirty="0">
+                  <a:solidFill>
+                    <a:schemeClr val="bg1"/>
+                  </a:solidFill>
+                </a:rPr>
+                <a:t> 동안 불투명도 </a:t>
+              </a:r>
+              <a:r>
+                <a:rPr lang="en-US" altLang="ko-KR" sz="1400" dirty="0">
+                  <a:solidFill>
+                    <a:schemeClr val="bg1"/>
+                  </a:solidFill>
+                </a:rPr>
+                <a:t>50%</a:t>
+              </a:r>
+            </a:p>
+            <a:p>
+              <a:pPr algn="ctr"/>
+              <a:r>
+                <a:rPr lang="ko-KR" altLang="en-US" sz="1400" dirty="0" err="1">
+                  <a:solidFill>
+                    <a:schemeClr val="bg1"/>
+                  </a:solidFill>
+                </a:rPr>
+                <a:t>쿨타임</a:t>
+              </a:r>
+              <a:r>
+                <a:rPr lang="ko-KR" altLang="en-US" sz="1400" dirty="0">
+                  <a:solidFill>
+                    <a:schemeClr val="bg1"/>
+                  </a:solidFill>
+                </a:rPr>
+                <a:t> 도는 방식은 위의 사진과 같음</a:t>
+              </a:r>
+            </a:p>
+          </p:txBody>
+        </p:sp>
+        <p:pic>
+          <p:nvPicPr>
+            <p:cNvPr id="23" name="그림 22">
+              <a:extLst>
+                <a:ext uri="{FF2B5EF4-FFF2-40B4-BE49-F238E27FC236}">
+                  <a16:creationId xmlns:a16="http://schemas.microsoft.com/office/drawing/2014/main" id="{04D0B29A-5B33-86E7-C272-66A0785CA853}"/>
+                </a:ext>
+              </a:extLst>
+            </p:cNvPr>
+            <p:cNvPicPr>
+              <a:picLocks noChangeAspect="1"/>
+            </p:cNvPicPr>
+            <p:nvPr/>
+          </p:nvPicPr>
+          <p:blipFill rotWithShape="1">
+            <a:blip r:embed="rId2">
+              <a:extLst>
+                <a:ext uri="{28A0092B-C50C-407E-A947-70E740481C1C}">
+                  <a14:useLocalDpi xmlns:a14="http://schemas.microsoft.com/office/drawing/2010/main" val="0"/>
+                </a:ext>
+              </a:extLst>
+            </a:blip>
+            <a:srcRect l="11351" t="10538" r="35691" b="14160"/>
+            <a:stretch/>
+          </p:blipFill>
+          <p:spPr>
+            <a:xfrm>
+              <a:off x="2454169" y="2004378"/>
+              <a:ext cx="1044116" cy="989902"/>
+            </a:xfrm>
+            <a:prstGeom prst="rect">
+              <a:avLst/>
+            </a:prstGeom>
+          </p:spPr>
+        </p:pic>
+      </p:grpSp>
+      <p:sp>
+        <p:nvSpPr>
+          <p:cNvPr id="24" name="직사각형 23">
+            <a:extLst>
+              <a:ext uri="{FF2B5EF4-FFF2-40B4-BE49-F238E27FC236}">
+                <a16:creationId xmlns:a16="http://schemas.microsoft.com/office/drawing/2014/main" id="{815BC451-DE65-D218-F66B-B5CB2C6521EF}"/>
               </a:ext>
             </a:extLst>
           </p:cNvPr>
@@ -18691,19 +18960,14 @@
         </p:nvSpPr>
         <p:spPr>
           <a:xfrm>
-            <a:off x="7562470" y="1978289"/>
-            <a:ext cx="3311274" cy="2291832"/>
-          </a:xfrm>
-          <a:prstGeom prst="wedgeRectCallout">
-            <a:avLst>
-              <a:gd name="adj1" fmla="val 29786"/>
-              <a:gd name="adj2" fmla="val 72440"/>
-            </a:avLst>
+            <a:off x="9546610" y="1816443"/>
+            <a:ext cx="1449731" cy="2592198"/>
+          </a:xfrm>
+          <a:prstGeom prst="rect">
+            <a:avLst/>
           </a:prstGeom>
           <a:solidFill>
-            <a:schemeClr val="accent3">
-              <a:lumMod val="75000"/>
-            </a:schemeClr>
+            <a:srgbClr val="92D050"/>
           </a:solidFill>
           <a:ln>
             <a:noFill/>
@@ -18730,186 +18994,6 @@
           <a:lstStyle/>
           <a:p>
             <a:pPr algn="ctr"/>
-            <a:endParaRPr lang="en-US" altLang="ko-KR" sz="1400" dirty="0">
-              <a:solidFill>
-                <a:schemeClr val="bg1"/>
-              </a:solidFill>
-            </a:endParaRPr>
-          </a:p>
-          <a:p>
-            <a:pPr algn="ctr"/>
-            <a:endParaRPr lang="en-US" altLang="ko-KR" sz="1400" dirty="0">
-              <a:solidFill>
-                <a:schemeClr val="bg1"/>
-              </a:solidFill>
-            </a:endParaRPr>
-          </a:p>
-          <a:p>
-            <a:pPr algn="ctr"/>
-            <a:endParaRPr lang="en-US" altLang="ko-KR" sz="1400" dirty="0">
-              <a:solidFill>
-                <a:schemeClr val="bg1"/>
-              </a:solidFill>
-            </a:endParaRPr>
-          </a:p>
-          <a:p>
-            <a:pPr algn="ctr"/>
-            <a:endParaRPr lang="en-US" altLang="ko-KR" sz="1400" dirty="0">
-              <a:solidFill>
-                <a:schemeClr val="bg1"/>
-              </a:solidFill>
-            </a:endParaRPr>
-          </a:p>
-          <a:p>
-            <a:pPr algn="ctr"/>
-            <a:r>
-              <a:rPr lang="ko-KR" altLang="en-US" sz="1400" dirty="0">
-                <a:solidFill>
-                  <a:schemeClr val="bg1"/>
-                </a:solidFill>
-              </a:rPr>
-              <a:t>사용 가능할 시 불투명도 </a:t>
-            </a:r>
-            <a:r>
-              <a:rPr lang="en-US" altLang="ko-KR" sz="1400" dirty="0">
-                <a:solidFill>
-                  <a:schemeClr val="bg1"/>
-                </a:solidFill>
-              </a:rPr>
-              <a:t>100%</a:t>
-            </a:r>
-          </a:p>
-          <a:p>
-            <a:pPr algn="ctr"/>
-            <a:r>
-              <a:rPr lang="ko-KR" altLang="en-US" sz="1400" dirty="0" err="1">
-                <a:solidFill>
-                  <a:schemeClr val="bg1"/>
-                </a:solidFill>
-              </a:rPr>
-              <a:t>쿨타임</a:t>
-            </a:r>
-            <a:r>
-              <a:rPr lang="ko-KR" altLang="en-US" sz="1400" dirty="0">
-                <a:solidFill>
-                  <a:schemeClr val="bg1"/>
-                </a:solidFill>
-              </a:rPr>
-              <a:t> 동안 불투명도 </a:t>
-            </a:r>
-            <a:r>
-              <a:rPr lang="en-US" altLang="ko-KR" sz="1400" dirty="0">
-                <a:solidFill>
-                  <a:schemeClr val="bg1"/>
-                </a:solidFill>
-              </a:rPr>
-              <a:t>50%</a:t>
-            </a:r>
-          </a:p>
-          <a:p>
-            <a:pPr algn="ctr"/>
-            <a:r>
-              <a:rPr lang="ko-KR" altLang="en-US" sz="1400" dirty="0" err="1">
-                <a:solidFill>
-                  <a:schemeClr val="bg1"/>
-                </a:solidFill>
-              </a:rPr>
-              <a:t>쿨타임</a:t>
-            </a:r>
-            <a:r>
-              <a:rPr lang="ko-KR" altLang="en-US" sz="1400" dirty="0">
-                <a:solidFill>
-                  <a:schemeClr val="bg1"/>
-                </a:solidFill>
-              </a:rPr>
-              <a:t> 도는 방식은 위의 사진과 같음</a:t>
-            </a:r>
-          </a:p>
-        </p:txBody>
-      </p:sp>
-      <p:pic>
-        <p:nvPicPr>
-          <p:cNvPr id="23" name="그림 22">
-            <a:extLst>
-              <a:ext uri="{FF2B5EF4-FFF2-40B4-BE49-F238E27FC236}">
-                <a16:creationId xmlns:a16="http://schemas.microsoft.com/office/drawing/2014/main" id="{04D0B29A-5B33-86E7-C272-66A0785CA853}"/>
-              </a:ext>
-            </a:extLst>
-          </p:cNvPr>
-          <p:cNvPicPr>
-            <a:picLocks noChangeAspect="1"/>
-          </p:cNvPicPr>
-          <p:nvPr/>
-        </p:nvPicPr>
-        <p:blipFill rotWithShape="1">
-          <a:blip r:embed="rId2">
-            <a:extLst>
-              <a:ext uri="{28A0092B-C50C-407E-A947-70E740481C1C}">
-                <a14:useLocalDpi xmlns:a14="http://schemas.microsoft.com/office/drawing/2010/main" val="0"/>
-              </a:ext>
-            </a:extLst>
-          </a:blip>
-          <a:srcRect l="11351" t="10538" r="35691" b="14160"/>
-          <a:stretch/>
-        </p:blipFill>
-        <p:spPr>
-          <a:xfrm>
-            <a:off x="8696049" y="2130804"/>
-            <a:ext cx="1044116" cy="989902"/>
-          </a:xfrm>
-          <a:prstGeom prst="rect">
-            <a:avLst/>
-          </a:prstGeom>
-        </p:spPr>
-      </p:pic>
-      <p:sp>
-        <p:nvSpPr>
-          <p:cNvPr id="24" name="직사각형 23">
-            <a:extLst>
-              <a:ext uri="{FF2B5EF4-FFF2-40B4-BE49-F238E27FC236}">
-                <a16:creationId xmlns:a16="http://schemas.microsoft.com/office/drawing/2014/main" id="{815BC451-DE65-D218-F66B-B5CB2C6521EF}"/>
-              </a:ext>
-            </a:extLst>
-          </p:cNvPr>
-          <p:cNvSpPr/>
-          <p:nvPr/>
-        </p:nvSpPr>
-        <p:spPr>
-          <a:xfrm>
-            <a:off x="1176023" y="1909236"/>
-            <a:ext cx="1449731" cy="2592198"/>
-          </a:xfrm>
-          <a:prstGeom prst="rect">
-            <a:avLst/>
-          </a:prstGeom>
-          <a:solidFill>
-            <a:srgbClr val="92D050"/>
-          </a:solidFill>
-          <a:ln>
-            <a:noFill/>
-          </a:ln>
-        </p:spPr>
-        <p:style>
-          <a:lnRef idx="2">
-            <a:schemeClr val="accent1">
-              <a:shade val="50000"/>
-            </a:schemeClr>
-          </a:lnRef>
-          <a:fillRef idx="1">
-            <a:schemeClr val="accent1"/>
-          </a:fillRef>
-          <a:effectRef idx="0">
-            <a:schemeClr val="accent1"/>
-          </a:effectRef>
-          <a:fontRef idx="minor">
-            <a:schemeClr val="lt1"/>
-          </a:fontRef>
-        </p:style>
-        <p:txBody>
-          <a:bodyPr rtlCol="0" anchor="ctr"/>
-          <a:lstStyle/>
-          <a:p>
-            <a:pPr algn="ctr"/>
             <a:r>
               <a:rPr lang="ko-KR" altLang="en-US" dirty="0">
                 <a:solidFill>
@@ -19047,13 +19131,13 @@
         </p:nvSpPr>
         <p:spPr>
           <a:xfrm>
-            <a:off x="2976226" y="2066061"/>
+            <a:off x="6741953" y="1847182"/>
             <a:ext cx="2473820" cy="1727057"/>
           </a:xfrm>
           <a:prstGeom prst="wedgeRectCallout">
             <a:avLst>
-              <a:gd name="adj1" fmla="val -62244"/>
-              <a:gd name="adj2" fmla="val -23224"/>
+              <a:gd name="adj1" fmla="val 62888"/>
+              <a:gd name="adj2" fmla="val -21281"/>
             </a:avLst>
           </a:prstGeom>
           <a:solidFill>
